--- a/3-Machine Learning/1-Supervisado/7-Ensembles/ML - Ensembling.pptx
+++ b/3-Machine Learning/1-Supervisado/7-Ensembles/ML - Ensembling.pptx
@@ -268,7 +268,7 @@
       <p15:sldGuideLst xmlns:p15="http://schemas.microsoft.com/office/powerpoint/2012/main"/>
     </p:ext>
     <p:ext uri="http://customooxmlschemas.google.com/">
-      <go:slidesCustomData xmlns="" xmlns:mc="http://schemas.openxmlformats.org/markup-compatibility/2006" xmlns:mv="urn:schemas-microsoft-com:mac:vml" xmlns:c="http://schemas.openxmlformats.org/drawingml/2006/chart" xmlns:dgm="http://schemas.openxmlformats.org/drawingml/2006/diagram" xmlns:o="urn:schemas-microsoft-com:office:office" xmlns:v="urn:schemas-microsoft-com:vml" xmlns:pvml="urn:schemas-microsoft-com:office:powerpoint" xmlns:com="http://schemas.openxmlformats.org/drawingml/2006/compatibility" xmlns:p14="http://schemas.microsoft.com/office/powerpoint/2010/main" xmlns:p15="http://schemas.microsoft.com/office/powerpoint/2012/main" xmlns:ahyp="http://schemas.microsoft.com/office/drawing/2018/hyperlinkcolor" xmlns:go="http://customooxmlschemas.google.com/" r:id="rId26" roundtripDataSignature="AMtx7mjI2+buJccPNhD4BOfP2CSGrUhTxQ=="/>
+      <go:slidesCustomData xmlns:go="http://customooxmlschemas.google.com/" xmlns:ahyp="http://schemas.microsoft.com/office/drawing/2018/hyperlinkcolor" xmlns:p15="http://schemas.microsoft.com/office/powerpoint/2012/main" xmlns:p14="http://schemas.microsoft.com/office/powerpoint/2010/main" xmlns:com="http://schemas.openxmlformats.org/drawingml/2006/compatibility" xmlns:pvml="urn:schemas-microsoft-com:office:powerpoint" xmlns:v="urn:schemas-microsoft-com:vml" xmlns:o="urn:schemas-microsoft-com:office:office" xmlns:dgm="http://schemas.openxmlformats.org/drawingml/2006/diagram" xmlns:c="http://schemas.openxmlformats.org/drawingml/2006/chart" xmlns:mv="urn:schemas-microsoft-com:mac:vml" xmlns:mc="http://schemas.openxmlformats.org/markup-compatibility/2006" xmlns="" r:id="rId26" roundtripDataSignature="AMtx7mjI2+buJccPNhD4BOfP2CSGrUhTxQ=="/>
     </p:ext>
   </p:extLst>
 </p:presentation>
@@ -40096,74 +40096,6 @@
               </a:spcAft>
               <a:buNone/>
             </a:pPr>
-            <a:r>
-              <a:rPr lang="es-ES" sz="1800" dirty="0">
-                <a:effectLst/>
-                <a:latin typeface="Calibri" panose="020F0502020204030204" pitchFamily="34" charset="0"/>
-                <a:hlinkClick r:id="rId5"/>
-              </a:rPr>
-              <a:t>https://towardsdatascience.com/how-does-xgboost-work-748bc75c58aa</a:t>
-            </a:r>
-            <a:endParaRPr lang="es-ES" sz="1500" dirty="0">
-              <a:solidFill>
-                <a:schemeClr val="lt1"/>
-              </a:solidFill>
-              <a:effectLst/>
-              <a:latin typeface="Calibri"/>
-              <a:cs typeface="Calibri"/>
-              <a:sym typeface="Calibri"/>
-            </a:endParaRPr>
-          </a:p>
-          <a:p>
-            <a:pPr marL="0" lvl="0" indent="0" algn="l" rtl="0">
-              <a:spcBef>
-                <a:spcPts val="0"/>
-              </a:spcBef>
-              <a:spcAft>
-                <a:spcPts val="0"/>
-              </a:spcAft>
-              <a:buNone/>
-            </a:pPr>
-            <a:endParaRPr lang="es-ES" sz="1500" dirty="0">
-              <a:solidFill>
-                <a:schemeClr val="lt1"/>
-              </a:solidFill>
-              <a:latin typeface="Calibri"/>
-              <a:ea typeface="Calibri"/>
-              <a:cs typeface="Calibri"/>
-              <a:sym typeface="Calibri"/>
-            </a:endParaRPr>
-          </a:p>
-          <a:p>
-            <a:pPr marL="0" lvl="0" indent="0" algn="l" rtl="0">
-              <a:spcBef>
-                <a:spcPts val="0"/>
-              </a:spcBef>
-              <a:spcAft>
-                <a:spcPts val="0"/>
-              </a:spcAft>
-              <a:buNone/>
-            </a:pPr>
-            <a:endParaRPr lang="es-ES" sz="1500" dirty="0">
-              <a:solidFill>
-                <a:schemeClr val="lt1"/>
-              </a:solidFill>
-              <a:latin typeface="Calibri"/>
-              <a:ea typeface="Calibri"/>
-              <a:cs typeface="Calibri"/>
-              <a:sym typeface="Calibri"/>
-            </a:endParaRPr>
-          </a:p>
-          <a:p>
-            <a:pPr marL="0" lvl="0" indent="0" algn="l" rtl="0">
-              <a:spcBef>
-                <a:spcPts val="0"/>
-              </a:spcBef>
-              <a:spcAft>
-                <a:spcPts val="0"/>
-              </a:spcAft>
-              <a:buNone/>
-            </a:pPr>
             <a:endParaRPr lang="es-ES" sz="1500" dirty="0">
               <a:solidFill>
                 <a:schemeClr val="lt1"/>
@@ -40495,18 +40427,30 @@
               <a:buNone/>
             </a:pPr>
             <a:r>
-              <a:rPr lang="en-GB" sz="2100">
-                <a:solidFill>
-                  <a:schemeClr val="lt1"/>
-                </a:solidFill>
-                <a:latin typeface="Calibri"/>
-                <a:ea typeface="Calibri"/>
-                <a:cs typeface="Calibri"/>
-                <a:sym typeface="Calibri"/>
-              </a:rPr>
-              <a:t>Tipos de ensembles:</a:t>
-            </a:r>
-            <a:endParaRPr sz="2100">
+              <a:rPr lang="en-GB" sz="2100" dirty="0" err="1">
+                <a:solidFill>
+                  <a:schemeClr val="lt1"/>
+                </a:solidFill>
+                <a:latin typeface="Calibri"/>
+                <a:ea typeface="Calibri"/>
+                <a:cs typeface="Calibri"/>
+                <a:sym typeface="Calibri"/>
+              </a:rPr>
+              <a:t>Tipos</a:t>
+            </a:r>
+            <a:r>
+              <a:rPr lang="en-GB" sz="2100" dirty="0">
+                <a:solidFill>
+                  <a:schemeClr val="lt1"/>
+                </a:solidFill>
+                <a:latin typeface="Calibri"/>
+                <a:ea typeface="Calibri"/>
+                <a:cs typeface="Calibri"/>
+                <a:sym typeface="Calibri"/>
+              </a:rPr>
+              <a:t> de ensembles:</a:t>
+            </a:r>
+            <a:endParaRPr sz="2100" dirty="0">
               <a:solidFill>
                 <a:schemeClr val="lt1"/>
               </a:solidFill>
@@ -40532,7 +40476,7 @@
               <a:buAutoNum type="arabicPeriod"/>
             </a:pPr>
             <a:r>
-              <a:rPr lang="en-GB" sz="2100">
+              <a:rPr lang="en-GB" sz="2100" dirty="0">
                 <a:solidFill>
                   <a:schemeClr val="lt1"/>
                 </a:solidFill>
@@ -40543,7 +40487,7 @@
               </a:rPr>
               <a:t>Bagging</a:t>
             </a:r>
-            <a:endParaRPr sz="2100">
+            <a:endParaRPr sz="2100" dirty="0">
               <a:solidFill>
                 <a:schemeClr val="lt1"/>
               </a:solidFill>
@@ -40569,18 +40513,55 @@
               <a:buAutoNum type="alphaLcPeriod"/>
             </a:pPr>
             <a:r>
-              <a:rPr lang="en-GB" sz="2100">
-                <a:solidFill>
-                  <a:schemeClr val="lt1"/>
-                </a:solidFill>
-                <a:latin typeface="Calibri"/>
-                <a:ea typeface="Calibri"/>
-                <a:cs typeface="Calibri"/>
-                <a:sym typeface="Calibri"/>
-              </a:rPr>
-              <a:t>AdaBoost</a:t>
-            </a:r>
-            <a:endParaRPr sz="2100">
+              <a:rPr lang="en-GB" sz="2100" dirty="0">
+                <a:solidFill>
+                  <a:schemeClr val="lt1"/>
+                </a:solidFill>
+                <a:latin typeface="Calibri"/>
+                <a:ea typeface="Calibri"/>
+                <a:cs typeface="Calibri"/>
+                <a:sym typeface="Calibri"/>
+              </a:rPr>
+              <a:t>Random Forest</a:t>
+            </a:r>
+            <a:endParaRPr sz="2100" dirty="0">
+              <a:solidFill>
+                <a:schemeClr val="lt1"/>
+              </a:solidFill>
+              <a:latin typeface="Calibri"/>
+              <a:ea typeface="Calibri"/>
+              <a:cs typeface="Calibri"/>
+              <a:sym typeface="Calibri"/>
+            </a:endParaRPr>
+          </a:p>
+          <a:p>
+            <a:pPr marL="457200" lvl="0" indent="-361950" algn="l" rtl="0">
+              <a:spcBef>
+                <a:spcPts val="0"/>
+              </a:spcBef>
+              <a:spcAft>
+                <a:spcPts val="0"/>
+              </a:spcAft>
+              <a:buClr>
+                <a:schemeClr val="lt1"/>
+              </a:buClr>
+              <a:buSzPts val="2100"/>
+              <a:buFont typeface="Calibri"/>
+              <a:buAutoNum type="arabicPeriod"/>
+            </a:pPr>
+            <a:r>
+              <a:rPr lang="en-GB" sz="2100" dirty="0">
+                <a:solidFill>
+                  <a:schemeClr val="lt1"/>
+                </a:solidFill>
+                <a:latin typeface="Calibri"/>
+                <a:ea typeface="Calibri"/>
+                <a:cs typeface="Calibri"/>
+                <a:sym typeface="Calibri"/>
+              </a:rPr>
+              <a:t>Boosting</a:t>
+            </a:r>
+            <a:endParaRPr sz="2100" dirty="0">
               <a:solidFill>
                 <a:schemeClr val="lt1"/>
               </a:solidFill>
@@ -40606,55 +40587,18 @@
               <a:buAutoNum type="alphaLcPeriod"/>
             </a:pPr>
             <a:r>
-              <a:rPr lang="en-GB" sz="2100">
-                <a:solidFill>
-                  <a:schemeClr val="lt1"/>
-                </a:solidFill>
-                <a:latin typeface="Calibri"/>
-                <a:ea typeface="Calibri"/>
-                <a:cs typeface="Calibri"/>
-                <a:sym typeface="Calibri"/>
-              </a:rPr>
-              <a:t>Random Forest</a:t>
-            </a:r>
-            <a:endParaRPr sz="2100">
-              <a:solidFill>
-                <a:schemeClr val="lt1"/>
-              </a:solidFill>
-              <a:latin typeface="Calibri"/>
-              <a:ea typeface="Calibri"/>
-              <a:cs typeface="Calibri"/>
-              <a:sym typeface="Calibri"/>
-            </a:endParaRPr>
-          </a:p>
-          <a:p>
-            <a:pPr marL="457200" lvl="0" indent="-361950" algn="l" rtl="0">
-              <a:spcBef>
-                <a:spcPts val="0"/>
-              </a:spcBef>
-              <a:spcAft>
-                <a:spcPts val="0"/>
-              </a:spcAft>
-              <a:buClr>
-                <a:schemeClr val="lt1"/>
-              </a:buClr>
-              <a:buSzPts val="2100"/>
-              <a:buFont typeface="Calibri"/>
-              <a:buAutoNum type="arabicPeriod"/>
-            </a:pPr>
-            <a:r>
-              <a:rPr lang="en-GB" sz="2100">
-                <a:solidFill>
-                  <a:schemeClr val="lt1"/>
-                </a:solidFill>
-                <a:latin typeface="Calibri"/>
-                <a:ea typeface="Calibri"/>
-                <a:cs typeface="Calibri"/>
-                <a:sym typeface="Calibri"/>
-              </a:rPr>
-              <a:t>Boosting</a:t>
-            </a:r>
-            <a:endParaRPr sz="2100">
+              <a:rPr lang="en-GB" sz="2100" dirty="0" err="1">
+                <a:solidFill>
+                  <a:schemeClr val="lt1"/>
+                </a:solidFill>
+                <a:latin typeface="Calibri"/>
+                <a:ea typeface="Calibri"/>
+                <a:cs typeface="Calibri"/>
+                <a:sym typeface="Calibri"/>
+              </a:rPr>
+              <a:t>GradientBoost</a:t>
+            </a:r>
+            <a:endParaRPr sz="2100" dirty="0">
               <a:solidFill>
                 <a:schemeClr val="lt1"/>
               </a:solidFill>
@@ -40680,44 +40624,7 @@
               <a:buAutoNum type="alphaLcPeriod"/>
             </a:pPr>
             <a:r>
-              <a:rPr lang="en-GB" sz="2100">
-                <a:solidFill>
-                  <a:schemeClr val="lt1"/>
-                </a:solidFill>
-                <a:latin typeface="Calibri"/>
-                <a:ea typeface="Calibri"/>
-                <a:cs typeface="Calibri"/>
-                <a:sym typeface="Calibri"/>
-              </a:rPr>
-              <a:t>GradientBoost</a:t>
-            </a:r>
-            <a:endParaRPr sz="2100">
-              <a:solidFill>
-                <a:schemeClr val="lt1"/>
-              </a:solidFill>
-              <a:latin typeface="Calibri"/>
-              <a:ea typeface="Calibri"/>
-              <a:cs typeface="Calibri"/>
-              <a:sym typeface="Calibri"/>
-            </a:endParaRPr>
-          </a:p>
-          <a:p>
-            <a:pPr marL="914400" lvl="1" indent="-361950" algn="l" rtl="0">
-              <a:spcBef>
-                <a:spcPts val="0"/>
-              </a:spcBef>
-              <a:spcAft>
-                <a:spcPts val="0"/>
-              </a:spcAft>
-              <a:buClr>
-                <a:schemeClr val="lt1"/>
-              </a:buClr>
-              <a:buSzPts val="2100"/>
-              <a:buFont typeface="Calibri"/>
-              <a:buAutoNum type="alphaLcPeriod"/>
-            </a:pPr>
-            <a:r>
-              <a:rPr lang="en-GB" sz="2100">
+              <a:rPr lang="en-GB" sz="2100" dirty="0" err="1">
                 <a:solidFill>
                   <a:schemeClr val="lt1"/>
                 </a:solidFill>
@@ -40728,7 +40635,7 @@
               </a:rPr>
               <a:t>XGBoost</a:t>
             </a:r>
-            <a:endParaRPr sz="2100">
+            <a:endParaRPr sz="2100" dirty="0">
               <a:solidFill>
                 <a:schemeClr val="lt1"/>
               </a:solidFill>
